--- a/spring13/slides13/ranvar-expect-linear.pptx
+++ b/spring13/slides13/ranvar-expect-linear.pptx
@@ -4743,10 +4743,10 @@
                 <a:latin typeface="Comic Sans MS" pitchFamily="66" charset="0"/>
                 <a:sym typeface="Symbol" pitchFamily="18" charset="2"/>
               </a:rPr>
-              <a:t> indicates man #</a:t>
-            </a:r>
-            <a:r>
-              <a:rPr lang="en-US" sz="4800" i="0" dirty="0" err="1" smtClean="0">
+              <a:t> indicates </a:t>
+            </a:r>
+            <a:r>
+              <a:rPr lang="en-US" sz="4800" dirty="0" err="1" smtClean="0">
                 <a:solidFill>
                   <a:srgbClr val="0000FF"/>
                 </a:solidFill>
@@ -4756,11 +4756,28 @@
               <a:t>i</a:t>
             </a:r>
             <a:r>
+              <a:rPr lang="en-US" sz="4800" baseline="30000" dirty="0" err="1" smtClean="0">
+                <a:solidFill>
+                  <a:srgbClr val="0000FF"/>
+                </a:solidFill>
+                <a:latin typeface="Comic Sans MS" pitchFamily="66" charset="0"/>
+                <a:sym typeface="Symbol" pitchFamily="18" charset="2"/>
+              </a:rPr>
+              <a:t>th</a:t>
+            </a:r>
+            <a:r>
               <a:rPr lang="en-US" sz="4800" i="0" dirty="0" smtClean="0">
                 <a:latin typeface="Comic Sans MS" pitchFamily="66" charset="0"/>
                 <a:sym typeface="Symbol" pitchFamily="18" charset="2"/>
               </a:rPr>
-              <a:t> got</a:t>
+              <a:t> man </a:t>
+            </a:r>
+            <a:r>
+              <a:rPr lang="en-US" sz="4800" i="0" dirty="0" smtClean="0">
+                <a:latin typeface="Comic Sans MS" pitchFamily="66" charset="0"/>
+                <a:sym typeface="Symbol" pitchFamily="18" charset="2"/>
+              </a:rPr>
+              <a:t>got</a:t>
             </a:r>
           </a:p>
           <a:p>
@@ -5014,7 +5031,7 @@
         <p:spPr bwMode="auto">
           <a:xfrm>
             <a:off x="852300" y="1154340"/>
-            <a:ext cx="7414316" cy="2315768"/>
+            <a:ext cx="7600820" cy="2273073"/>
           </a:xfrm>
           <a:prstGeom prst="rect">
             <a:avLst/>
@@ -5055,10 +5072,10 @@
                 <a:latin typeface="Comic Sans MS" pitchFamily="66" charset="0"/>
                 <a:sym typeface="Symbol" pitchFamily="18" charset="2"/>
               </a:rPr>
-              <a:t> indicates man #</a:t>
-            </a:r>
-            <a:r>
-              <a:rPr lang="en-US" sz="4800" i="0" dirty="0" err="1" smtClean="0">
+              <a:t> indicates </a:t>
+            </a:r>
+            <a:r>
+              <a:rPr lang="en-US" sz="4800" dirty="0" err="1">
                 <a:solidFill>
                   <a:srgbClr val="0000FF"/>
                 </a:solidFill>
@@ -5068,19 +5085,50 @@
               <a:t>i</a:t>
             </a:r>
             <a:r>
+              <a:rPr lang="en-US" sz="4800" baseline="30000" dirty="0" err="1">
+                <a:solidFill>
+                  <a:srgbClr val="0000FF"/>
+                </a:solidFill>
+                <a:latin typeface="Comic Sans MS" pitchFamily="66" charset="0"/>
+                <a:sym typeface="Symbol" pitchFamily="18" charset="2"/>
+              </a:rPr>
+              <a:t>th</a:t>
+            </a:r>
+            <a:r>
+              <a:rPr lang="en-US" sz="4800" dirty="0">
+                <a:latin typeface="Comic Sans MS" pitchFamily="66" charset="0"/>
+                <a:sym typeface="Symbol" pitchFamily="18" charset="2"/>
+              </a:rPr>
+              <a:t> </a:t>
+            </a:r>
+            <a:r>
+              <a:rPr lang="en-US" sz="4800" dirty="0" smtClean="0">
+                <a:latin typeface="Comic Sans MS" pitchFamily="66" charset="0"/>
+                <a:sym typeface="Symbol" pitchFamily="18" charset="2"/>
+              </a:rPr>
+              <a:t>man</a:t>
+            </a:r>
+            <a:r>
               <a:rPr lang="en-US" sz="4800" i="0" dirty="0" smtClean="0">
                 <a:latin typeface="Comic Sans MS" pitchFamily="66" charset="0"/>
                 <a:sym typeface="Symbol" pitchFamily="18" charset="2"/>
               </a:rPr>
-              <a:t> got</a:t>
-            </a:r>
-          </a:p>
-          <a:p>
+              <a:t> </a:t>
+            </a:r>
             <a:r>
               <a:rPr lang="en-US" sz="4800" i="0" dirty="0" smtClean="0">
                 <a:latin typeface="Comic Sans MS" pitchFamily="66" charset="0"/>
                 <a:sym typeface="Symbol" pitchFamily="18" charset="2"/>
               </a:rPr>
+              <a:t>got</a:t>
+            </a:r>
+          </a:p>
+          <a:p>
+            <a:r>
+              <a:rPr lang="en-US" sz="4800" i="0" dirty="0" smtClean="0">
+                <a:latin typeface="Comic Sans MS" pitchFamily="66" charset="0"/>
+                <a:sym typeface="Symbol" pitchFamily="18" charset="2"/>
+              </a:rPr>
               <a:t>his hat </a:t>
             </a:r>
             <a:r>
@@ -5108,7 +5156,7 @@
                 <a:latin typeface="Comic Sans MS" pitchFamily="66" charset="0"/>
                 <a:sym typeface="Symbol" pitchFamily="18" charset="2"/>
               </a:rPr>
-              <a:t>But</a:t>
+              <a:t>Even so</a:t>
             </a:r>
             <a:endParaRPr lang="en-US" sz="4800" dirty="0">
               <a:solidFill>
@@ -5392,7 +5440,7 @@
           <a:graphicData uri="http://schemas.openxmlformats.org/presentationml/2006/ole">
             <mc:AlternateContent xmlns:mc="http://schemas.openxmlformats.org/markup-compatibility/2006">
               <mc:Choice xmlns:v="urn:schemas-microsoft-com:vml" Requires="v">
-                <p:oleObj spid="_x0000_s1039" name="Equation" r:id="rId4" imgW="1384300" imgH="292100" progId="Equation.DSMT4">
+                <p:oleObj spid="_x0000_s1046" name="Equation" r:id="rId4" imgW="1384300" imgH="292100" progId="Equation.DSMT4">
                   <p:embed/>
                 </p:oleObj>
               </mc:Choice>
@@ -5462,7 +5510,7 @@
           <a:graphicData uri="http://schemas.openxmlformats.org/presentationml/2006/ole">
             <mc:AlternateContent xmlns:mc="http://schemas.openxmlformats.org/markup-compatibility/2006">
               <mc:Choice xmlns:v="urn:schemas-microsoft-com:vml" Requires="v">
-                <p:oleObj spid="_x0000_s1040" name="Equation" r:id="rId6" imgW="1651000" imgH="292100" progId="Equation.DSMT4">
+                <p:oleObj spid="_x0000_s1047" name="Equation" r:id="rId6" imgW="1651000" imgH="292100" progId="Equation.DSMT4">
                   <p:embed/>
                 </p:oleObj>
               </mc:Choice>
@@ -5507,9 +5555,18 @@
   <p:clrMapOvr>
     <a:masterClrMapping/>
   </p:clrMapOvr>
-  <p:transition xmlns:p14="http://schemas.microsoft.com/office/powerpoint/2010/main" spd="slow" advClick="0">
-    <p:fade/>
-  </p:transition>
+  <mc:AlternateContent xmlns:mc="http://schemas.openxmlformats.org/markup-compatibility/2006">
+    <mc:Choice xmlns:p14="http://schemas.microsoft.com/office/powerpoint/2010/main" Requires="p14">
+      <p:transition spd="med" p14:dur="600" advClick="0">
+        <p:fade/>
+      </p:transition>
+    </mc:Choice>
+    <mc:Fallback>
+      <p:transition xmlns:p14="http://schemas.microsoft.com/office/powerpoint/2010/main" spd="med" advClick="0">
+        <p:fade/>
+      </p:transition>
+    </mc:Fallback>
+  </mc:AlternateContent>
   <p:timing>
     <p:tnLst>
       <p:par>
@@ -5902,14 +5959,7 @@
                 <a:latin typeface="Comic Sans MS" pitchFamily="66" charset="0"/>
                 <a:sym typeface="Symbol" pitchFamily="18" charset="2"/>
               </a:rPr>
-              <a:t>will get same dish as initially</a:t>
-            </a:r>
-            <a:r>
-              <a:rPr lang="en-US" sz="4800" i="0" dirty="0" smtClean="0">
-                <a:latin typeface="Comic Sans MS" pitchFamily="66" charset="0"/>
-                <a:sym typeface="Symbol" pitchFamily="18" charset="2"/>
-              </a:rPr>
-              <a:t>?</a:t>
+              <a:t>will get same dish as initially?</a:t>
             </a:r>
             <a:r>
               <a:rPr lang="en-US" sz="4800" dirty="0" smtClean="0">
@@ -8792,16 +8842,7 @@
                 </a:solidFill>
                 <a:latin typeface="+mj-lt"/>
               </a:rPr>
-              <a:t>linearity still </a:t>
-            </a:r>
-            <a:r>
-              <a:rPr lang="en-US" sz="6000" dirty="0" smtClean="0">
-                <a:solidFill>
-                  <a:srgbClr val="9B2894"/>
-                </a:solidFill>
-                <a:latin typeface="+mj-lt"/>
-              </a:rPr>
-              <a:t>holds</a:t>
+              <a:t>linearity still holds</a:t>
             </a:r>
           </a:p>
           <a:p>
@@ -14751,30 +14792,21 @@
                             </p:childTnLst>
                           </p:cTn>
                         </p:par>
-                      </p:childTnLst>
-                    </p:cTn>
-                  </p:par>
-                  <p:par>
-                    <p:cTn id="8" fill="hold">
-                      <p:stCondLst>
-                        <p:cond delay="indefinite"/>
-                      </p:stCondLst>
-                      <p:childTnLst>
                         <p:par>
-                          <p:cTn id="9" fill="hold">
+                          <p:cTn id="8" fill="hold">
                             <p:stCondLst>
-                              <p:cond delay="0"/>
+                              <p:cond delay="500"/>
                             </p:stCondLst>
                             <p:childTnLst>
                               <p:par>
-                                <p:cTn id="10" presetID="10" presetClass="entr" presetSubtype="0" fill="hold" grpId="0" nodeType="clickEffect">
+                                <p:cTn id="9" presetID="10" presetClass="entr" presetSubtype="0" fill="hold" grpId="0" nodeType="afterEffect">
                                   <p:stCondLst>
                                     <p:cond delay="0"/>
                                   </p:stCondLst>
                                   <p:childTnLst>
                                     <p:set>
                                       <p:cBhvr>
-                                        <p:cTn id="11" dur="1" fill="hold">
+                                        <p:cTn id="10" dur="1" fill="hold">
                                           <p:stCondLst>
                                             <p:cond delay="0"/>
                                           </p:stCondLst>
@@ -14792,7 +14824,7 @@
                                     </p:set>
                                     <p:animEffect transition="in" filter="fade">
                                       <p:cBhvr>
-                                        <p:cTn id="12" dur="500"/>
+                                        <p:cTn id="11" dur="500"/>
                                         <p:tgtEl>
                                           <p:spTgt spid="10"/>
                                         </p:tgtEl>
@@ -14805,20 +14837,20 @@
                           </p:cTn>
                         </p:par>
                         <p:par>
-                          <p:cTn id="13" fill="hold">
+                          <p:cTn id="12" fill="hold">
                             <p:stCondLst>
-                              <p:cond delay="500"/>
+                              <p:cond delay="1000"/>
                             </p:stCondLst>
                             <p:childTnLst>
                               <p:par>
-                                <p:cTn id="14" presetID="10" presetClass="entr" presetSubtype="0" fill="hold" grpId="0" nodeType="afterEffect">
+                                <p:cTn id="13" presetID="10" presetClass="entr" presetSubtype="0" fill="hold" grpId="0" nodeType="afterEffect">
                                   <p:stCondLst>
                                     <p:cond delay="0"/>
                                   </p:stCondLst>
                                   <p:childTnLst>
                                     <p:set>
                                       <p:cBhvr>
-                                        <p:cTn id="15" dur="1" fill="hold">
+                                        <p:cTn id="14" dur="1" fill="hold">
                                           <p:stCondLst>
                                             <p:cond delay="0"/>
                                           </p:stCondLst>
@@ -14836,7 +14868,7 @@
                                     </p:set>
                                     <p:animEffect transition="in" filter="fade">
                                       <p:cBhvr>
-                                        <p:cTn id="16" dur="1000"/>
+                                        <p:cTn id="15" dur="2000"/>
                                         <p:tgtEl>
                                           <p:spTgt spid="13"/>
                                         </p:tgtEl>
@@ -15072,7 +15104,7 @@
           <a:graphicData uri="http://schemas.openxmlformats.org/presentationml/2006/ole">
             <mc:AlternateContent xmlns:mc="http://schemas.openxmlformats.org/markup-compatibility/2006">
               <mc:Choice xmlns:v="urn:schemas-microsoft-com:vml" Requires="v">
-                <p:oleObj spid="_x0000_s242699" name="Equation" r:id="rId3" imgW="635000" imgH="215900" progId="Equation.DSMT4">
+                <p:oleObj spid="_x0000_s242704" name="Equation" r:id="rId3" imgW="635000" imgH="215900" progId="Equation.DSMT4">
                   <p:embed/>
                 </p:oleObj>
               </mc:Choice>
@@ -15129,7 +15161,7 @@
           <a:graphicData uri="http://schemas.openxmlformats.org/presentationml/2006/ole">
             <mc:AlternateContent xmlns:mc="http://schemas.openxmlformats.org/markup-compatibility/2006">
               <mc:Choice xmlns:v="urn:schemas-microsoft-com:vml" Requires="v">
-                <p:oleObj spid="_x0000_s242700" name="Equation" r:id="rId5" imgW="558800" imgH="254000" progId="Equation.DSMT4">
+                <p:oleObj spid="_x0000_s242705" name="Equation" r:id="rId5" imgW="558800" imgH="254000" progId="Equation.DSMT4">
                   <p:embed/>
                 </p:oleObj>
               </mc:Choice>
@@ -15174,13 +15206,13 @@
   <p:clrMapOvr>
     <a:masterClrMapping/>
   </p:clrMapOvr>
-  <mc:AlternateContent xmlns:mc="http://schemas.openxmlformats.org/markup-compatibility/2006">
-    <mc:Choice xmlns:p14="http://schemas.microsoft.com/office/powerpoint/2010/main" Requires="p14">
+  <mc:AlternateContent xmlns:mc="http://schemas.openxmlformats.org/markup-compatibility/2006" xmlns:p14="http://schemas.microsoft.com/office/powerpoint/2010/main">
+    <mc:Choice Requires="p14">
       <p:transition spd="slow" p14:dur="1200" advClick="0">
         <p:fade thruBlk="1"/>
       </p:transition>
     </mc:Choice>
-    <mc:Fallback>
+    <mc:Fallback xmlns="">
       <p:transition xmlns:p14="http://schemas.microsoft.com/office/powerpoint/2010/main" spd="slow" advClick="0">
         <p:fade thruBlk="1"/>
       </p:transition>
@@ -15666,7 +15698,7 @@
           <a:graphicData uri="http://schemas.openxmlformats.org/presentationml/2006/ole">
             <mc:AlternateContent xmlns:mc="http://schemas.openxmlformats.org/markup-compatibility/2006">
               <mc:Choice xmlns:v="urn:schemas-microsoft-com:vml" Requires="v">
-                <p:oleObj spid="_x0000_s245761" name="Equation" r:id="rId3" imgW="558800" imgH="254000" progId="Equation.DSMT4">
+                <p:oleObj spid="_x0000_s245766" name="Equation" r:id="rId3" imgW="558800" imgH="254000" progId="Equation.DSMT4">
                   <p:embed/>
                 </p:oleObj>
               </mc:Choice>
@@ -15723,7 +15755,7 @@
           <a:graphicData uri="http://schemas.openxmlformats.org/presentationml/2006/ole">
             <mc:AlternateContent xmlns:mc="http://schemas.openxmlformats.org/markup-compatibility/2006">
               <mc:Choice xmlns:v="urn:schemas-microsoft-com:vml" Requires="v">
-                <p:oleObj spid="_x0000_s245762" name="Equation" r:id="rId5" imgW="1016000" imgH="215900" progId="Equation.DSMT4">
+                <p:oleObj spid="_x0000_s245767" name="Equation" r:id="rId5" imgW="1016000" imgH="215900" progId="Equation.DSMT4">
                   <p:embed/>
                 </p:oleObj>
               </mc:Choice>
@@ -15922,7 +15954,7 @@
           <a:graphicData uri="http://schemas.openxmlformats.org/presentationml/2006/ole">
             <mc:AlternateContent xmlns:mc="http://schemas.openxmlformats.org/markup-compatibility/2006">
               <mc:Choice xmlns:v="urn:schemas-microsoft-com:vml" Requires="v">
-                <p:oleObj spid="_x0000_s243718" name="Equation" r:id="rId3" imgW="876300" imgH="533400" progId="Equation.DSMT4">
+                <p:oleObj spid="_x0000_s243721" name="Equation" r:id="rId3" imgW="876300" imgH="533400" progId="Equation.DSMT4">
                   <p:embed/>
                 </p:oleObj>
               </mc:Choice>
@@ -16003,13 +16035,13 @@
   <p:clrMapOvr>
     <a:masterClrMapping/>
   </p:clrMapOvr>
-  <mc:AlternateContent xmlns:mc="http://schemas.openxmlformats.org/markup-compatibility/2006">
-    <mc:Choice xmlns:p14="http://schemas.microsoft.com/office/powerpoint/2010/main" Requires="p14">
+  <mc:AlternateContent xmlns:mc="http://schemas.openxmlformats.org/markup-compatibility/2006" xmlns:p14="http://schemas.microsoft.com/office/powerpoint/2010/main">
+    <mc:Choice Requires="p14">
       <p:transition spd="slow" p14:dur="800" advClick="0">
         <p:fade thruBlk="1"/>
       </p:transition>
     </mc:Choice>
-    <mc:Fallback>
+    <mc:Fallback xmlns="">
       <p:transition xmlns:p14="http://schemas.microsoft.com/office/powerpoint/2010/main" spd="slow" advClick="0">
         <p:fade thruBlk="1"/>
       </p:transition>
@@ -17303,13 +17335,13 @@
   <p:clrMapOvr>
     <a:masterClrMapping/>
   </p:clrMapOvr>
-  <mc:AlternateContent xmlns:mc="http://schemas.openxmlformats.org/markup-compatibility/2006">
-    <mc:Choice xmlns:p14="http://schemas.microsoft.com/office/powerpoint/2010/main" Requires="p14">
+  <mc:AlternateContent xmlns:mc="http://schemas.openxmlformats.org/markup-compatibility/2006" xmlns:p14="http://schemas.microsoft.com/office/powerpoint/2010/main">
+    <mc:Choice Requires="p14">
       <p:transition spd="med" p14:dur="600" advClick="0">
         <p:fade/>
       </p:transition>
     </mc:Choice>
-    <mc:Fallback>
+    <mc:Fallback xmlns="">
       <p:transition xmlns:p14="http://schemas.microsoft.com/office/powerpoint/2010/main" spd="med" advClick="0">
         <p:fade/>
       </p:transition>
@@ -18078,13 +18110,13 @@
   <p:clrMapOvr>
     <a:masterClrMapping/>
   </p:clrMapOvr>
-  <mc:AlternateContent xmlns:mc="http://schemas.openxmlformats.org/markup-compatibility/2006">
-    <mc:Choice xmlns:p14="http://schemas.microsoft.com/office/powerpoint/2010/main" Requires="p14">
+  <mc:AlternateContent xmlns:mc="http://schemas.openxmlformats.org/markup-compatibility/2006" xmlns:p14="http://schemas.microsoft.com/office/powerpoint/2010/main">
+    <mc:Choice Requires="p14">
       <p:transition spd="slow" p14:dur="800" advClick="0">
         <p:fade/>
       </p:transition>
     </mc:Choice>
-    <mc:Fallback>
+    <mc:Fallback xmlns="">
       <p:transition xmlns:p14="http://schemas.microsoft.com/office/powerpoint/2010/main" spd="slow" advClick="0">
         <p:fade/>
       </p:transition>
@@ -18892,13 +18924,13 @@
   <p:clrMapOvr>
     <a:masterClrMapping/>
   </p:clrMapOvr>
-  <mc:AlternateContent xmlns:mc="http://schemas.openxmlformats.org/markup-compatibility/2006">
-    <mc:Choice xmlns:p14="http://schemas.microsoft.com/office/powerpoint/2010/main" Requires="p14">
+  <mc:AlternateContent xmlns:mc="http://schemas.openxmlformats.org/markup-compatibility/2006" xmlns:p14="http://schemas.microsoft.com/office/powerpoint/2010/main">
+    <mc:Choice Requires="p14">
       <p:transition spd="slow" p14:dur="1200" advClick="0">
         <p:fade thruBlk="1"/>
       </p:transition>
     </mc:Choice>
-    <mc:Fallback>
+    <mc:Fallback xmlns="">
       <p:transition xmlns:p14="http://schemas.microsoft.com/office/powerpoint/2010/main" spd="slow" advClick="0">
         <p:fade thruBlk="1"/>
       </p:transition>
@@ -19339,7 +19371,7 @@
           <a:graphicData uri="http://schemas.openxmlformats.org/presentationml/2006/ole">
             <mc:AlternateContent xmlns:mc="http://schemas.openxmlformats.org/markup-compatibility/2006">
               <mc:Choice xmlns:v="urn:schemas-microsoft-com:vml" Requires="v">
-                <p:oleObj spid="_x0000_s239677" name="Equation" r:id="rId4" imgW="1701800" imgH="304800" progId="Equation.DSMT4">
+                <p:oleObj spid="_x0000_s239680" name="Equation" r:id="rId4" imgW="1701800" imgH="304800" progId="Equation.DSMT4">
                   <p:embed/>
                 </p:oleObj>
               </mc:Choice>
@@ -19590,13 +19622,13 @@
   <p:clrMapOvr>
     <a:masterClrMapping/>
   </p:clrMapOvr>
-  <mc:AlternateContent xmlns:mc="http://schemas.openxmlformats.org/markup-compatibility/2006">
-    <mc:Choice xmlns:p14="http://schemas.microsoft.com/office/powerpoint/2010/main" Requires="p14">
+  <mc:AlternateContent xmlns:mc="http://schemas.openxmlformats.org/markup-compatibility/2006" xmlns:p14="http://schemas.microsoft.com/office/powerpoint/2010/main">
+    <mc:Choice Requires="p14">
       <p:transition spd="slow" p14:dur="1200" advClick="0">
         <p:fade thruBlk="1"/>
       </p:transition>
     </mc:Choice>
-    <mc:Fallback>
+    <mc:Fallback xmlns="">
       <p:transition xmlns:p14="http://schemas.microsoft.com/office/powerpoint/2010/main" spd="slow" advClick="0">
         <p:fade thruBlk="1"/>
       </p:transition>
@@ -19783,7 +19815,7 @@
           <a:graphicData uri="http://schemas.openxmlformats.org/presentationml/2006/ole">
             <mc:AlternateContent xmlns:mc="http://schemas.openxmlformats.org/markup-compatibility/2006">
               <mc:Choice xmlns:v="urn:schemas-microsoft-com:vml" Requires="v">
-                <p:oleObj spid="_x0000_s241790" name="Equation" r:id="rId4" imgW="2095500" imgH="330200" progId="Equation.DSMT4">
+                <p:oleObj spid="_x0000_s241797" name="Equation" r:id="rId4" imgW="2095500" imgH="330200" progId="Equation.DSMT4">
                   <p:embed/>
                 </p:oleObj>
               </mc:Choice>
@@ -19853,7 +19885,7 @@
           <a:graphicData uri="http://schemas.openxmlformats.org/presentationml/2006/ole">
             <mc:AlternateContent xmlns:mc="http://schemas.openxmlformats.org/markup-compatibility/2006">
               <mc:Choice xmlns:v="urn:schemas-microsoft-com:vml" Requires="v">
-                <p:oleObj spid="_x0000_s241791" name="Equation" r:id="rId6" imgW="1295400" imgH="241300" progId="Equation.DSMT4">
+                <p:oleObj spid="_x0000_s241798" name="Equation" r:id="rId6" imgW="1295400" imgH="241300" progId="Equation.DSMT4">
                   <p:embed/>
                 </p:oleObj>
               </mc:Choice>
@@ -19942,7 +19974,7 @@
           <a:graphicData uri="http://schemas.openxmlformats.org/presentationml/2006/ole">
             <mc:AlternateContent xmlns:mc="http://schemas.openxmlformats.org/markup-compatibility/2006">
               <mc:Choice xmlns:v="urn:schemas-microsoft-com:vml" Requires="v">
-                <p:oleObj spid="_x0000_s241792" name="Equation" r:id="rId8" imgW="1828800" imgH="292100" progId="Equation.DSMT4">
+                <p:oleObj spid="_x0000_s241799" name="Equation" r:id="rId8" imgW="1828800" imgH="292100" progId="Equation.DSMT4">
                   <p:embed/>
                 </p:oleObj>
               </mc:Choice>
@@ -20667,7 +20699,7 @@
                 <a:latin typeface="Comic Sans MS" pitchFamily="66" charset="0"/>
                 <a:sym typeface="Symbol" pitchFamily="18" charset="2"/>
               </a:rPr>
-              <a:t>[man #</a:t>
+              <a:t>[</a:t>
             </a:r>
             <a:r>
               <a:rPr lang="en-US" sz="4800" dirty="0" err="1" smtClean="0">
@@ -20680,11 +20712,35 @@
               <a:t>i</a:t>
             </a:r>
             <a:r>
+              <a:rPr lang="en-US" sz="4800" baseline="30000" dirty="0" err="1" smtClean="0">
+                <a:solidFill>
+                  <a:srgbClr val="0000FF"/>
+                </a:solidFill>
+                <a:latin typeface="Comic Sans MS" pitchFamily="66" charset="0"/>
+                <a:sym typeface="Symbol" pitchFamily="18" charset="2"/>
+              </a:rPr>
+              <a:t>th</a:t>
+            </a:r>
+            <a:r>
               <a:rPr lang="en-US" sz="4800" dirty="0" smtClean="0">
                 <a:latin typeface="Comic Sans MS" pitchFamily="66" charset="0"/>
                 <a:sym typeface="Symbol" pitchFamily="18" charset="2"/>
               </a:rPr>
-              <a:t> gets own hat back] </a:t>
+              <a:t> man </a:t>
+            </a:r>
+            <a:r>
+              <a:rPr lang="en-US" sz="4800" dirty="0">
+                <a:latin typeface="Comic Sans MS" pitchFamily="66" charset="0"/>
+                <a:sym typeface="Symbol" pitchFamily="18" charset="2"/>
+              </a:rPr>
+              <a:t>gets </a:t>
+            </a:r>
+            <a:r>
+              <a:rPr lang="en-US" sz="4800" dirty="0" smtClean="0">
+                <a:latin typeface="Comic Sans MS" pitchFamily="66" charset="0"/>
+                <a:sym typeface="Symbol" pitchFamily="18" charset="2"/>
+              </a:rPr>
+              <a:t>own hat back] </a:t>
             </a:r>
             <a:r>
               <a:rPr lang="en-US" sz="6600" b="1" dirty="0" smtClean="0">
